--- a/output/presentation/Intermetidate_presentation.pptx
+++ b/output/presentation/Intermetidate_presentation.pptx
@@ -6,10 +6,10 @@
     <p:sldMasterId id="2147483694" r:id="rId2"/>
   </p:sldMasterIdLst>
   <p:notesMasterIdLst>
-    <p:notesMasterId r:id="rId29"/>
+    <p:notesMasterId r:id="rId30"/>
   </p:notesMasterIdLst>
   <p:handoutMasterIdLst>
-    <p:handoutMasterId r:id="rId30"/>
+    <p:handoutMasterId r:id="rId31"/>
   </p:handoutMasterIdLst>
   <p:sldIdLst>
     <p:sldId id="261" r:id="rId3"/>
@@ -38,6 +38,7 @@
     <p:sldId id="287" r:id="rId26"/>
     <p:sldId id="280" r:id="rId27"/>
     <p:sldId id="269" r:id="rId28"/>
+    <p:sldId id="303" r:id="rId29"/>
   </p:sldIdLst>
   <p:sldSz cx="12192000" cy="6858000"/>
   <p:notesSz cx="6858000" cy="9144000"/>
@@ -229,7 +230,7 @@
           <a:p>
             <a:fld id="{8F591CCF-F6FD-734B-854A-5BC033593B1E}" type="datetimeFigureOut">
               <a:rPr lang="nl-NL" smtClean="0"/>
-              <a:t>5-3-2020</a:t>
+              <a:t>2-4-2020</a:t>
             </a:fld>
             <a:endParaRPr lang="nl-NL"/>
           </a:p>
@@ -394,7 +395,7 @@
           <a:p>
             <a:fld id="{23C66214-DB21-4647-B5DA-0D17CA592867}" type="datetimeFigureOut">
               <a:rPr lang="nl-NL" smtClean="0"/>
-              <a:t>5-3-2020</a:t>
+              <a:t>1-4-2020</a:t>
             </a:fld>
             <a:endParaRPr lang="nl-NL"/>
           </a:p>
@@ -2140,6 +2141,174 @@
 </p:notes>
 </file>
 
+<file path=ppt/notesSlides/notesSlide22.xml><?xml version="1.0" encoding="utf-8"?>
+<p:notes xmlns:a="http://schemas.openxmlformats.org/drawingml/2006/main" xmlns:r="http://schemas.openxmlformats.org/officeDocument/2006/relationships" xmlns:p="http://schemas.openxmlformats.org/presentationml/2006/main">
+  <p:cSld>
+    <p:spTree>
+      <p:nvGrpSpPr>
+        <p:cNvPr id="1" name=""/>
+        <p:cNvGrpSpPr/>
+        <p:nvPr/>
+      </p:nvGrpSpPr>
+      <p:grpSpPr>
+        <a:xfrm>
+          <a:off x="0" y="0"/>
+          <a:ext cx="0" cy="0"/>
+          <a:chOff x="0" y="0"/>
+          <a:chExt cx="0" cy="0"/>
+        </a:xfrm>
+      </p:grpSpPr>
+      <p:sp>
+        <p:nvSpPr>
+          <p:cNvPr id="2" name="Tijdelijke aanduiding voor dia-afbeelding 1"/>
+          <p:cNvSpPr>
+            <a:spLocks noGrp="1" noRot="1" noChangeAspect="1"/>
+          </p:cNvSpPr>
+          <p:nvPr>
+            <p:ph type="sldImg"/>
+          </p:nvPr>
+        </p:nvSpPr>
+        <p:spPr/>
+      </p:sp>
+      <p:sp>
+        <p:nvSpPr>
+          <p:cNvPr id="3" name="Tijdelijke aanduiding voor notities 2"/>
+          <p:cNvSpPr>
+            <a:spLocks noGrp="1"/>
+          </p:cNvSpPr>
+          <p:nvPr>
+            <p:ph type="body" idx="1"/>
+          </p:nvPr>
+        </p:nvSpPr>
+        <p:spPr/>
+        <p:txBody>
+          <a:bodyPr/>
+          <a:lstStyle/>
+          <a:p>
+            <a:endParaRPr lang="en-US" dirty="0"/>
+          </a:p>
+        </p:txBody>
+      </p:sp>
+      <p:sp>
+        <p:nvSpPr>
+          <p:cNvPr id="4" name="Tijdelijke aanduiding voor dianummer 3"/>
+          <p:cNvSpPr>
+            <a:spLocks noGrp="1"/>
+          </p:cNvSpPr>
+          <p:nvPr>
+            <p:ph type="sldNum" sz="quarter" idx="5"/>
+          </p:nvPr>
+        </p:nvSpPr>
+        <p:spPr/>
+        <p:txBody>
+          <a:bodyPr/>
+          <a:lstStyle/>
+          <a:p>
+            <a:fld id="{8954E32A-327F-AF4B-8E1F-209FBF93D26D}" type="slidenum">
+              <a:rPr lang="nl-NL" smtClean="0"/>
+              <a:t>26</a:t>
+            </a:fld>
+            <a:endParaRPr lang="nl-NL"/>
+          </a:p>
+        </p:txBody>
+      </p:sp>
+    </p:spTree>
+    <p:extLst>
+      <p:ext uri="{BB962C8B-B14F-4D97-AF65-F5344CB8AC3E}">
+        <p14:creationId xmlns:p14="http://schemas.microsoft.com/office/powerpoint/2010/main" val="3335613647"/>
+      </p:ext>
+    </p:extLst>
+  </p:cSld>
+  <p:clrMapOvr>
+    <a:masterClrMapping/>
+  </p:clrMapOvr>
+</p:notes>
+</file>
+
+<file path=ppt/notesSlides/notesSlide23.xml><?xml version="1.0" encoding="utf-8"?>
+<p:notes xmlns:a="http://schemas.openxmlformats.org/drawingml/2006/main" xmlns:r="http://schemas.openxmlformats.org/officeDocument/2006/relationships" xmlns:p="http://schemas.openxmlformats.org/presentationml/2006/main">
+  <p:cSld>
+    <p:spTree>
+      <p:nvGrpSpPr>
+        <p:cNvPr id="1" name=""/>
+        <p:cNvGrpSpPr/>
+        <p:nvPr/>
+      </p:nvGrpSpPr>
+      <p:grpSpPr>
+        <a:xfrm>
+          <a:off x="0" y="0"/>
+          <a:ext cx="0" cy="0"/>
+          <a:chOff x="0" y="0"/>
+          <a:chExt cx="0" cy="0"/>
+        </a:xfrm>
+      </p:grpSpPr>
+      <p:sp>
+        <p:nvSpPr>
+          <p:cNvPr id="2" name="Tijdelijke aanduiding voor dia-afbeelding 1"/>
+          <p:cNvSpPr>
+            <a:spLocks noGrp="1" noRot="1" noChangeAspect="1"/>
+          </p:cNvSpPr>
+          <p:nvPr>
+            <p:ph type="sldImg"/>
+          </p:nvPr>
+        </p:nvSpPr>
+        <p:spPr/>
+      </p:sp>
+      <p:sp>
+        <p:nvSpPr>
+          <p:cNvPr id="3" name="Tijdelijke aanduiding voor notities 2"/>
+          <p:cNvSpPr>
+            <a:spLocks noGrp="1"/>
+          </p:cNvSpPr>
+          <p:nvPr>
+            <p:ph type="body" idx="1"/>
+          </p:nvPr>
+        </p:nvSpPr>
+        <p:spPr/>
+        <p:txBody>
+          <a:bodyPr/>
+          <a:lstStyle/>
+          <a:p>
+            <a:endParaRPr lang="en-US" dirty="0"/>
+          </a:p>
+        </p:txBody>
+      </p:sp>
+      <p:sp>
+        <p:nvSpPr>
+          <p:cNvPr id="4" name="Tijdelijke aanduiding voor dianummer 3"/>
+          <p:cNvSpPr>
+            <a:spLocks noGrp="1"/>
+          </p:cNvSpPr>
+          <p:nvPr>
+            <p:ph type="sldNum" sz="quarter" idx="5"/>
+          </p:nvPr>
+        </p:nvSpPr>
+        <p:spPr/>
+        <p:txBody>
+          <a:bodyPr/>
+          <a:lstStyle/>
+          <a:p>
+            <a:fld id="{8954E32A-327F-AF4B-8E1F-209FBF93D26D}" type="slidenum">
+              <a:rPr lang="nl-NL" smtClean="0"/>
+              <a:t>27</a:t>
+            </a:fld>
+            <a:endParaRPr lang="nl-NL"/>
+          </a:p>
+        </p:txBody>
+      </p:sp>
+    </p:spTree>
+    <p:extLst>
+      <p:ext uri="{BB962C8B-B14F-4D97-AF65-F5344CB8AC3E}">
+        <p14:creationId xmlns:p14="http://schemas.microsoft.com/office/powerpoint/2010/main" val="3455530393"/>
+      </p:ext>
+    </p:extLst>
+  </p:cSld>
+  <p:clrMapOvr>
+    <a:masterClrMapping/>
+  </p:clrMapOvr>
+</p:notes>
+</file>
+
 <file path=ppt/notesSlides/notesSlide3.xml><?xml version="1.0" encoding="utf-8"?>
 <p:notes xmlns:a="http://schemas.openxmlformats.org/drawingml/2006/main" xmlns:r="http://schemas.openxmlformats.org/officeDocument/2006/relationships" xmlns:p="http://schemas.openxmlformats.org/presentationml/2006/main">
   <p:cSld>
@@ -4031,7 +4200,7 @@
           <a:p>
             <a:fld id="{088371DC-64FB-48EC-A807-EC20001DEF76}" type="datetime1">
               <a:rPr lang="nl-BE" smtClean="0"/>
-              <a:t>5/03/2020</a:t>
+              <a:t>1/04/2020</a:t>
             </a:fld>
             <a:endParaRPr lang="nl-NL"/>
           </a:p>
@@ -4311,7 +4480,7 @@
           <a:p>
             <a:fld id="{AECEDB99-F3A9-4086-9C4C-6E35CE36AA3A}" type="datetime1">
               <a:rPr lang="nl-BE" smtClean="0"/>
-              <a:t>5/03/2020</a:t>
+              <a:t>1/04/2020</a:t>
             </a:fld>
             <a:endParaRPr lang="nl-NL"/>
           </a:p>
@@ -4638,7 +4807,7 @@
           <a:p>
             <a:fld id="{9350B854-5017-42AF-9629-F8D20244BB52}" type="datetime1">
               <a:rPr lang="nl-BE" smtClean="0"/>
-              <a:t>5/03/2020</a:t>
+              <a:t>1/04/2020</a:t>
             </a:fld>
             <a:endParaRPr lang="nl-NL"/>
           </a:p>
@@ -4955,7 +5124,7 @@
           <a:p>
             <a:fld id="{BBF314D1-8FE5-4F96-B23D-70AAE190D980}" type="datetime1">
               <a:rPr lang="nl-BE" smtClean="0"/>
-              <a:t>5/03/2020</a:t>
+              <a:t>1/04/2020</a:t>
             </a:fld>
             <a:endParaRPr lang="nl-NL" dirty="0"/>
           </a:p>
@@ -5273,7 +5442,7 @@
           <a:p>
             <a:fld id="{F164F7BB-E46E-4A3C-B735-E5C0FAE17D0C}" type="datetime1">
               <a:rPr lang="nl-BE" smtClean="0"/>
-              <a:t>5/03/2020</a:t>
+              <a:t>1/04/2020</a:t>
             </a:fld>
             <a:endParaRPr lang="nl-NL" dirty="0"/>
           </a:p>
@@ -5412,7 +5581,7 @@
           <a:p>
             <a:fld id="{DEEE553D-5924-463C-B332-4BB4A3B2C8C2}" type="datetime1">
               <a:rPr lang="nl-BE" smtClean="0"/>
-              <a:t>5/03/2020</a:t>
+              <a:t>1/04/2020</a:t>
             </a:fld>
             <a:endParaRPr lang="nl-NL"/>
           </a:p>
@@ -5893,7 +6062,7 @@
           <a:p>
             <a:fld id="{9AC50506-4009-4779-ADAB-66A4DF820769}" type="datetime1">
               <a:rPr lang="nl-BE" smtClean="0"/>
-              <a:t>5/03/2020</a:t>
+              <a:t>1/04/2020</a:t>
             </a:fld>
             <a:endParaRPr lang="nl-NL" dirty="0"/>
           </a:p>
@@ -6011,7 +6180,7 @@
           <a:p>
             <a:fld id="{771CEF91-D02C-4EFF-95D0-050C62301DD8}" type="datetime1">
               <a:rPr lang="nl-BE" smtClean="0"/>
-              <a:t>5/03/2020</a:t>
+              <a:t>1/04/2020</a:t>
             </a:fld>
             <a:endParaRPr lang="nl-NL"/>
           </a:p>
@@ -6129,7 +6298,7 @@
           <a:p>
             <a:fld id="{894D48C4-6C0A-49A9-8858-20B37DDA7F69}" type="datetime1">
               <a:rPr lang="nl-BE" smtClean="0"/>
-              <a:t>5/03/2020</a:t>
+              <a:t>1/04/2020</a:t>
             </a:fld>
             <a:endParaRPr lang="nl-NL"/>
           </a:p>
@@ -6308,7 +6477,7 @@
           <a:p>
             <a:fld id="{3F49889B-A674-4F0B-B569-F06C561FFBF7}" type="datetime1">
               <a:rPr lang="nl-BE" smtClean="0"/>
-              <a:t>5/03/2020</a:t>
+              <a:t>1/04/2020</a:t>
             </a:fld>
             <a:endParaRPr lang="nl-NL" dirty="0"/>
           </a:p>
@@ -6589,7 +6758,7 @@
           <a:p>
             <a:fld id="{042B8BEC-77FE-4D9A-979F-5708A421E2A2}" type="datetime1">
               <a:rPr lang="nl-BE" smtClean="0"/>
-              <a:t>5/03/2020</a:t>
+              <a:t>1/04/2020</a:t>
             </a:fld>
             <a:endParaRPr lang="nl-NL" dirty="0"/>
           </a:p>
@@ -7226,7 +7395,7 @@
           <a:p>
             <a:fld id="{88156871-301B-4BD2-AF5C-FAFE1AE05D19}" type="datetime1">
               <a:rPr lang="nl-BE" smtClean="0"/>
-              <a:t>5/03/2020</a:t>
+              <a:t>1/04/2020</a:t>
             </a:fld>
             <a:endParaRPr lang="nl-NL" dirty="0"/>
           </a:p>
@@ -11641,9 +11810,11 @@
               <a:t>Kwh</a:t>
             </a:r>
             <a:r>
-              <a:rPr lang="en-US"/>
+              <a:rPr lang="en-US" dirty="0"/>
               <a:t> or so)</a:t>
             </a:r>
+          </a:p>
+          <a:p>
             <a:endParaRPr lang="en-US" dirty="0"/>
           </a:p>
         </p:txBody>
@@ -11734,6 +11905,193 @@
     <p:extLst>
       <p:ext uri="{BB962C8B-B14F-4D97-AF65-F5344CB8AC3E}">
         <p14:creationId xmlns:p14="http://schemas.microsoft.com/office/powerpoint/2010/main" val="849766837"/>
+      </p:ext>
+    </p:extLst>
+  </p:cSld>
+  <p:clrMapOvr>
+    <a:masterClrMapping/>
+  </p:clrMapOvr>
+</p:sld>
+</file>
+
+<file path=ppt/slides/slide27.xml><?xml version="1.0" encoding="utf-8"?>
+<p:sld xmlns:a="http://schemas.openxmlformats.org/drawingml/2006/main" xmlns:r="http://schemas.openxmlformats.org/officeDocument/2006/relationships" xmlns:p="http://schemas.openxmlformats.org/presentationml/2006/main" show="0">
+  <p:cSld>
+    <p:spTree>
+      <p:nvGrpSpPr>
+        <p:cNvPr id="1" name=""/>
+        <p:cNvGrpSpPr/>
+        <p:nvPr/>
+      </p:nvGrpSpPr>
+      <p:grpSpPr>
+        <a:xfrm>
+          <a:off x="0" y="0"/>
+          <a:ext cx="0" cy="0"/>
+          <a:chOff x="0" y="0"/>
+          <a:chExt cx="0" cy="0"/>
+        </a:xfrm>
+      </p:grpSpPr>
+      <p:sp>
+        <p:nvSpPr>
+          <p:cNvPr id="8" name="Tijdelijke aanduiding voor inhoud 7">
+            <a:extLst>
+              <a:ext uri="{FF2B5EF4-FFF2-40B4-BE49-F238E27FC236}">
+                <a16:creationId xmlns:a16="http://schemas.microsoft.com/office/drawing/2014/main" id="{D9D7663D-5288-4EE9-8282-6E91366BA3E0}"/>
+              </a:ext>
+            </a:extLst>
+          </p:cNvPr>
+          <p:cNvSpPr>
+            <a:spLocks noGrp="1"/>
+          </p:cNvSpPr>
+          <p:nvPr>
+            <p:ph idx="1"/>
+          </p:nvPr>
+        </p:nvSpPr>
+        <p:spPr/>
+        <p:txBody>
+          <a:bodyPr/>
+          <a:lstStyle/>
+          <a:p>
+            <a:r>
+              <a:rPr lang="en-US" dirty="0"/>
+              <a:t>Time resolution 15 minutes or hourly resolution? If I do the data exploration on 15 minute data it does not make sense to do the rest of the analysis on hourly data </a:t>
+            </a:r>
+            <a:r>
+              <a:rPr lang="en-US" dirty="0">
+                <a:sym typeface="Wingdings" panose="05000000000000000000" pitchFamily="2" charset="2"/>
+              </a:rPr>
+              <a:t> 15 minutes for data cleaning and EDA, the modelling can be in hourly resolution, but clearly specify</a:t>
+            </a:r>
+            <a:endParaRPr lang="en-US" dirty="0"/>
+          </a:p>
+          <a:p>
+            <a:r>
+              <a:rPr lang="en-US" dirty="0"/>
+              <a:t>What is the exact unit of the measurement, is it kilowatt-hour (</a:t>
+            </a:r>
+            <a:r>
+              <a:rPr lang="en-US" dirty="0" err="1"/>
+              <a:t>Kwh</a:t>
+            </a:r>
+            <a:r>
+              <a:rPr lang="en-US" dirty="0"/>
+              <a:t>)? For the </a:t>
+            </a:r>
+            <a:r>
+              <a:rPr lang="en-US" dirty="0" err="1"/>
+              <a:t>fluvius</a:t>
+            </a:r>
+            <a:r>
+              <a:rPr lang="en-US" dirty="0"/>
+              <a:t> data I had to divide </a:t>
+            </a:r>
+            <a:r>
+              <a:rPr lang="en-US"/>
+              <a:t>by 4 </a:t>
+            </a:r>
+            <a:r>
+              <a:rPr lang="en-US">
+                <a:sym typeface="Wingdings" panose="05000000000000000000" pitchFamily="2" charset="2"/>
+              </a:rPr>
+              <a:t> </a:t>
+            </a:r>
+            <a:r>
+              <a:rPr lang="en-US"/>
+              <a:t>Kilowatt-hour </a:t>
+            </a:r>
+            <a:r>
+              <a:rPr lang="en-US" dirty="0"/>
+              <a:t>per 15 minutes</a:t>
+            </a:r>
+          </a:p>
+        </p:txBody>
+      </p:sp>
+      <p:sp>
+        <p:nvSpPr>
+          <p:cNvPr id="2" name="Tijdelijke aanduiding voor voettekst 1">
+            <a:extLst>
+              <a:ext uri="{FF2B5EF4-FFF2-40B4-BE49-F238E27FC236}">
+                <a16:creationId xmlns:a16="http://schemas.microsoft.com/office/drawing/2014/main" id="{D01FD70E-6B4F-434A-A694-1499403954FE}"/>
+              </a:ext>
+            </a:extLst>
+          </p:cNvPr>
+          <p:cNvSpPr>
+            <a:spLocks noGrp="1"/>
+          </p:cNvSpPr>
+          <p:nvPr>
+            <p:ph type="ftr" sz="quarter" idx="11"/>
+          </p:nvPr>
+        </p:nvSpPr>
+        <p:spPr/>
+        <p:txBody>
+          <a:bodyPr/>
+          <a:lstStyle/>
+          <a:p>
+            <a:endParaRPr lang="nl-NL"/>
+          </a:p>
+        </p:txBody>
+      </p:sp>
+      <p:sp>
+        <p:nvSpPr>
+          <p:cNvPr id="3" name="Tijdelijke aanduiding voor dianummer 2">
+            <a:extLst>
+              <a:ext uri="{FF2B5EF4-FFF2-40B4-BE49-F238E27FC236}">
+                <a16:creationId xmlns:a16="http://schemas.microsoft.com/office/drawing/2014/main" id="{133C83A4-09DF-463C-AD3F-E61E47C4BF59}"/>
+              </a:ext>
+            </a:extLst>
+          </p:cNvPr>
+          <p:cNvSpPr>
+            <a:spLocks noGrp="1"/>
+          </p:cNvSpPr>
+          <p:nvPr>
+            <p:ph type="sldNum" sz="quarter" idx="12"/>
+          </p:nvPr>
+        </p:nvSpPr>
+        <p:spPr/>
+        <p:txBody>
+          <a:bodyPr/>
+          <a:lstStyle/>
+          <a:p>
+            <a:fld id="{0A297500-7527-634B-90F4-69D0994C32B4}" type="slidenum">
+              <a:rPr lang="nl-NL" smtClean="0"/>
+              <a:t>27</a:t>
+            </a:fld>
+            <a:endParaRPr lang="nl-NL"/>
+          </a:p>
+        </p:txBody>
+      </p:sp>
+      <p:sp>
+        <p:nvSpPr>
+          <p:cNvPr id="7" name="Titel 6">
+            <a:extLst>
+              <a:ext uri="{FF2B5EF4-FFF2-40B4-BE49-F238E27FC236}">
+                <a16:creationId xmlns:a16="http://schemas.microsoft.com/office/drawing/2014/main" id="{45959034-553E-466F-9F31-DF24347588B5}"/>
+              </a:ext>
+            </a:extLst>
+          </p:cNvPr>
+          <p:cNvSpPr>
+            <a:spLocks noGrp="1"/>
+          </p:cNvSpPr>
+          <p:nvPr>
+            <p:ph type="title"/>
+          </p:nvPr>
+        </p:nvSpPr>
+        <p:spPr/>
+        <p:txBody>
+          <a:bodyPr/>
+          <a:lstStyle/>
+          <a:p>
+            <a:r>
+              <a:rPr lang="en-US" dirty="0"/>
+              <a:t>Questions</a:t>
+            </a:r>
+          </a:p>
+        </p:txBody>
+      </p:sp>
+    </p:spTree>
+    <p:extLst>
+      <p:ext uri="{BB962C8B-B14F-4D97-AF65-F5344CB8AC3E}">
+        <p14:creationId xmlns:p14="http://schemas.microsoft.com/office/powerpoint/2010/main" val="3767720365"/>
       </p:ext>
     </p:extLst>
   </p:cSld>
